--- a/docs/Lecture 6.pptx
+++ b/docs/Lecture 6.pptx
@@ -232,7 +232,7 @@
           <a:p>
             <a:fld id="{D42A6D51-E060-4FF1-A392-37E69ECC2322}" type="datetimeFigureOut">
               <a:rPr lang="en-US" smtClean="0"/>
-              <a:t>11/14/2024</a:t>
+              <a:t>11/15/2024</a:t>
             </a:fld>
             <a:endParaRPr lang="en-US"/>
           </a:p>
@@ -926,7 +926,7 @@
           <a:p>
             <a:fld id="{697C8BC9-B682-4632-B2C2-F55A5AC35628}" type="datetimeFigureOut">
               <a:rPr lang="en-US" smtClean="0"/>
-              <a:t>11/14/2024</a:t>
+              <a:t>11/15/2024</a:t>
             </a:fld>
             <a:endParaRPr lang="en-US"/>
           </a:p>
@@ -1124,7 +1124,7 @@
           <a:p>
             <a:fld id="{697C8BC9-B682-4632-B2C2-F55A5AC35628}" type="datetimeFigureOut">
               <a:rPr lang="en-US" smtClean="0"/>
-              <a:t>11/14/2024</a:t>
+              <a:t>11/15/2024</a:t>
             </a:fld>
             <a:endParaRPr lang="en-US"/>
           </a:p>
@@ -1332,7 +1332,7 @@
           <a:p>
             <a:fld id="{697C8BC9-B682-4632-B2C2-F55A5AC35628}" type="datetimeFigureOut">
               <a:rPr lang="en-US" smtClean="0"/>
-              <a:t>11/14/2024</a:t>
+              <a:t>11/15/2024</a:t>
             </a:fld>
             <a:endParaRPr lang="en-US"/>
           </a:p>
@@ -1530,7 +1530,7 @@
           <a:p>
             <a:fld id="{697C8BC9-B682-4632-B2C2-F55A5AC35628}" type="datetimeFigureOut">
               <a:rPr lang="en-US" smtClean="0"/>
-              <a:t>11/14/2024</a:t>
+              <a:t>11/15/2024</a:t>
             </a:fld>
             <a:endParaRPr lang="en-US"/>
           </a:p>
@@ -1805,7 +1805,7 @@
           <a:p>
             <a:fld id="{697C8BC9-B682-4632-B2C2-F55A5AC35628}" type="datetimeFigureOut">
               <a:rPr lang="en-US" smtClean="0"/>
-              <a:t>11/14/2024</a:t>
+              <a:t>11/15/2024</a:t>
             </a:fld>
             <a:endParaRPr lang="en-US"/>
           </a:p>
@@ -2070,7 +2070,7 @@
           <a:p>
             <a:fld id="{697C8BC9-B682-4632-B2C2-F55A5AC35628}" type="datetimeFigureOut">
               <a:rPr lang="en-US" smtClean="0"/>
-              <a:t>11/14/2024</a:t>
+              <a:t>11/15/2024</a:t>
             </a:fld>
             <a:endParaRPr lang="en-US"/>
           </a:p>
@@ -2482,7 +2482,7 @@
           <a:p>
             <a:fld id="{697C8BC9-B682-4632-B2C2-F55A5AC35628}" type="datetimeFigureOut">
               <a:rPr lang="en-US" smtClean="0"/>
-              <a:t>11/14/2024</a:t>
+              <a:t>11/15/2024</a:t>
             </a:fld>
             <a:endParaRPr lang="en-US"/>
           </a:p>
@@ -2623,7 +2623,7 @@
           <a:p>
             <a:fld id="{697C8BC9-B682-4632-B2C2-F55A5AC35628}" type="datetimeFigureOut">
               <a:rPr lang="en-US" smtClean="0"/>
-              <a:t>11/14/2024</a:t>
+              <a:t>11/15/2024</a:t>
             </a:fld>
             <a:endParaRPr lang="en-US"/>
           </a:p>
@@ -2736,7 +2736,7 @@
           <a:p>
             <a:fld id="{697C8BC9-B682-4632-B2C2-F55A5AC35628}" type="datetimeFigureOut">
               <a:rPr lang="en-US" smtClean="0"/>
-              <a:t>11/14/2024</a:t>
+              <a:t>11/15/2024</a:t>
             </a:fld>
             <a:endParaRPr lang="en-US"/>
           </a:p>
@@ -3047,7 +3047,7 @@
           <a:p>
             <a:fld id="{697C8BC9-B682-4632-B2C2-F55A5AC35628}" type="datetimeFigureOut">
               <a:rPr lang="en-US" smtClean="0"/>
-              <a:t>11/14/2024</a:t>
+              <a:t>11/15/2024</a:t>
             </a:fld>
             <a:endParaRPr lang="en-US"/>
           </a:p>
@@ -3335,7 +3335,7 @@
           <a:p>
             <a:fld id="{697C8BC9-B682-4632-B2C2-F55A5AC35628}" type="datetimeFigureOut">
               <a:rPr lang="en-US" smtClean="0"/>
-              <a:t>11/14/2024</a:t>
+              <a:t>11/15/2024</a:t>
             </a:fld>
             <a:endParaRPr lang="en-US"/>
           </a:p>
@@ -3576,7 +3576,7 @@
           <a:p>
             <a:fld id="{697C8BC9-B682-4632-B2C2-F55A5AC35628}" type="datetimeFigureOut">
               <a:rPr lang="en-US" smtClean="0"/>
-              <a:t>11/14/2024</a:t>
+              <a:t>11/15/2024</a:t>
             </a:fld>
             <a:endParaRPr lang="en-US"/>
           </a:p>
@@ -6798,11 +6798,13 @@
         <p:spPr>
           <a:xfrm>
             <a:off x="575240" y="1463857"/>
-            <a:ext cx="5633055" cy="4845504"/>
+            <a:ext cx="5633055" cy="3268566"/>
           </a:xfrm>
         </p:spPr>
         <p:txBody>
-          <a:bodyPr/>
+          <a:bodyPr>
+            <a:normAutofit fontScale="92500" lnSpcReduction="20000"/>
+          </a:bodyPr>
           <a:lstStyle/>
           <a:p>
             <a:r>
@@ -7164,7 +7166,7 @@
         <p:spPr>
           <a:xfrm>
             <a:off x="5975684" y="2412720"/>
-            <a:ext cx="5985934" cy="3785652"/>
+            <a:ext cx="5985934" cy="3539430"/>
           </a:xfrm>
           <a:prstGeom prst="rect">
             <a:avLst/>
@@ -7452,56 +7454,8 @@
                 <a:latin typeface="Courier New" panose="02070309020205020404" pitchFamily="49" charset="0"/>
                 <a:cs typeface="Courier New" panose="02070309020205020404" pitchFamily="49" charset="0"/>
               </a:rPr>
-              <a:t>#not shown: </a:t>
-            </a:r>
-            <a:r>
-              <a:rPr lang="en-US" sz="1600" dirty="0" err="1">
-                <a:latin typeface="Courier New" panose="02070309020205020404" pitchFamily="49" charset="0"/>
-                <a:cs typeface="Courier New" panose="02070309020205020404" pitchFamily="49" charset="0"/>
-              </a:rPr>
-              <a:t>foo.o</a:t>
-            </a:r>
-            <a:r>
-              <a:rPr lang="en-US" sz="1600" dirty="0">
-                <a:latin typeface="Courier New" panose="02070309020205020404" pitchFamily="49" charset="0"/>
-                <a:cs typeface="Courier New" panose="02070309020205020404" pitchFamily="49" charset="0"/>
-              </a:rPr>
-              <a:t>, </a:t>
-            </a:r>
-            <a:r>
-              <a:rPr lang="en-US" sz="1600" dirty="0" err="1">
-                <a:latin typeface="Courier New" panose="02070309020205020404" pitchFamily="49" charset="0"/>
-                <a:cs typeface="Courier New" panose="02070309020205020404" pitchFamily="49" charset="0"/>
-              </a:rPr>
-              <a:t>bar.o</a:t>
-            </a:r>
-            <a:r>
-              <a:rPr lang="en-US" sz="1600" dirty="0">
-                <a:latin typeface="Courier New" panose="02070309020205020404" pitchFamily="49" charset="0"/>
-                <a:cs typeface="Courier New" panose="02070309020205020404" pitchFamily="49" charset="0"/>
-              </a:rPr>
-              <a:t>, </a:t>
-            </a:r>
-            <a:r>
-              <a:rPr lang="en-US" sz="1600" dirty="0" err="1">
-                <a:latin typeface="Courier New" panose="02070309020205020404" pitchFamily="49" charset="0"/>
-                <a:cs typeface="Courier New" panose="02070309020205020404" pitchFamily="49" charset="0"/>
-              </a:rPr>
-              <a:t>baz.o</a:t>
-            </a:r>
-            <a:r>
-              <a:rPr lang="en-US" sz="1600" dirty="0">
-                <a:latin typeface="Courier New" panose="02070309020205020404" pitchFamily="49" charset="0"/>
-                <a:cs typeface="Courier New" panose="02070309020205020404" pitchFamily="49" charset="0"/>
-              </a:rPr>
-              <a:t> targets</a:t>
-            </a:r>
-          </a:p>
-          <a:p>
-            <a:endParaRPr lang="en-US" sz="1600" dirty="0">
-              <a:latin typeface="Courier New" panose="02070309020205020404" pitchFamily="49" charset="0"/>
-              <a:cs typeface="Courier New" panose="02070309020205020404" pitchFamily="49" charset="0"/>
-            </a:endParaRPr>
+              <a:t>.PHONY</a:t>
+            </a:r>
           </a:p>
           <a:p>
             <a:r>
@@ -15454,7 +15408,7 @@
             <a:pPr algn="ctr"/>
             <a:r>
               <a:rPr lang="en-US" dirty="0"/>
-              <a:t>collated.csv</a:t>
+              <a:t>prices.csv</a:t>
             </a:r>
           </a:p>
         </p:txBody>
@@ -15501,7 +15455,7 @@
             <a:pPr algn="ctr"/>
             <a:r>
               <a:rPr lang="en-US" dirty="0"/>
-              <a:t>collated.csv</a:t>
+              <a:t>sources.csv</a:t>
             </a:r>
           </a:p>
         </p:txBody>
@@ -15548,7 +15502,7 @@
             <a:pPr algn="ctr"/>
             <a:r>
               <a:rPr lang="en-US" dirty="0"/>
-              <a:t>collated.csv</a:t>
+              <a:t>process.py</a:t>
             </a:r>
           </a:p>
         </p:txBody>
@@ -16150,7 +16104,7 @@
               <a:tabLst/>
             </a:pPr>
             <a:r>
-              <a:rPr kumimoji="0" lang="en-US" altLang="en-US" sz="2800" b="1" i="1" u="none" strike="noStrike" cap="none" normalizeH="0" baseline="0" dirty="0">
+              <a:rPr kumimoji="0" lang="en-US" altLang="en-US" sz="2800" b="1" u="none" strike="noStrike" cap="none" normalizeH="0" baseline="0" dirty="0">
                 <a:ln>
                   <a:noFill/>
                 </a:ln>
@@ -16164,7 +16118,7 @@
               <a:t>{</a:t>
             </a:r>
             <a:r>
-              <a:rPr kumimoji="0" lang="en-US" altLang="en-US" sz="2800" b="0" i="1" u="none" strike="noStrike" cap="none" normalizeH="0" baseline="0" dirty="0">
+              <a:rPr kumimoji="0" lang="en-US" altLang="en-US" sz="2800" b="0" u="none" strike="noStrike" cap="none" normalizeH="0" baseline="0" dirty="0">
                 <a:ln>
                   <a:noFill/>
                 </a:ln>
@@ -16196,7 +16150,7 @@
               <a:tabLst/>
             </a:pPr>
             <a:r>
-              <a:rPr kumimoji="0" lang="en-US" altLang="en-US" sz="2800" b="1" i="1" u="none" strike="noStrike" cap="none" normalizeH="0" baseline="0" dirty="0">
+              <a:rPr kumimoji="0" lang="en-US" altLang="en-US" sz="2800" b="1" u="none" strike="noStrike" cap="none" normalizeH="0" baseline="0" dirty="0">
                 <a:ln>
                   <a:noFill/>
                 </a:ln>
@@ -16210,7 +16164,7 @@
               <a:t>"A"</a:t>
             </a:r>
             <a:r>
-              <a:rPr kumimoji="0" lang="en-US" altLang="en-US" sz="2800" b="1" i="1" u="none" strike="noStrike" cap="none" normalizeH="0" baseline="0" dirty="0">
+              <a:rPr kumimoji="0" lang="en-US" altLang="en-US" sz="2800" b="1" u="none" strike="noStrike" cap="none" normalizeH="0" baseline="0" dirty="0">
                 <a:ln>
                   <a:noFill/>
                 </a:ln>
@@ -16224,7 +16178,7 @@
               <a:t>:</a:t>
             </a:r>
             <a:r>
-              <a:rPr kumimoji="0" lang="en-US" altLang="en-US" sz="2800" b="0" i="1" u="sng" strike="noStrike" cap="none" normalizeH="0" baseline="0" dirty="0">
+              <a:rPr kumimoji="0" lang="en-US" altLang="en-US" sz="2800" b="0" u="sng" strike="noStrike" cap="none" normalizeH="0" baseline="0" dirty="0">
                 <a:ln>
                   <a:noFill/>
                 </a:ln>
@@ -16238,7 +16192,7 @@
               <a:t> </a:t>
             </a:r>
             <a:r>
-              <a:rPr kumimoji="0" lang="en-US" altLang="en-US" sz="2800" b="1" i="1" u="none" strike="noStrike" cap="none" normalizeH="0" baseline="0" dirty="0">
+              <a:rPr kumimoji="0" lang="en-US" altLang="en-US" sz="2800" b="1" u="none" strike="noStrike" cap="none" normalizeH="0" baseline="0" dirty="0">
                 <a:ln>
                   <a:noFill/>
                 </a:ln>
@@ -16252,7 +16206,7 @@
               <a:t>{</a:t>
             </a:r>
             <a:r>
-              <a:rPr kumimoji="0" lang="en-US" altLang="en-US" sz="2800" b="1" i="1" u="none" strike="noStrike" cap="none" normalizeH="0" baseline="0" dirty="0">
+              <a:rPr kumimoji="0" lang="en-US" altLang="en-US" sz="2800" b="1" u="none" strike="noStrike" cap="none" normalizeH="0" baseline="0" dirty="0">
                 <a:ln>
                   <a:noFill/>
                 </a:ln>
@@ -16266,7 +16220,7 @@
               <a:t>"depends"</a:t>
             </a:r>
             <a:r>
-              <a:rPr kumimoji="0" lang="en-US" altLang="en-US" sz="2800" b="1" i="1" u="none" strike="noStrike" cap="none" normalizeH="0" baseline="0" dirty="0">
+              <a:rPr kumimoji="0" lang="en-US" altLang="en-US" sz="2800" b="1" u="none" strike="noStrike" cap="none" normalizeH="0" baseline="0" dirty="0">
                 <a:ln>
                   <a:noFill/>
                 </a:ln>
@@ -16280,7 +16234,7 @@
               <a:t>:</a:t>
             </a:r>
             <a:r>
-              <a:rPr kumimoji="0" lang="en-US" altLang="en-US" sz="2800" b="0" i="1" u="sng" strike="noStrike" cap="none" normalizeH="0" baseline="0" dirty="0">
+              <a:rPr kumimoji="0" lang="en-US" altLang="en-US" sz="2800" b="0" u="sng" strike="noStrike" cap="none" normalizeH="0" baseline="0" dirty="0">
                 <a:ln>
                   <a:noFill/>
                 </a:ln>
@@ -16294,7 +16248,7 @@
               <a:t> </a:t>
             </a:r>
             <a:r>
-              <a:rPr kumimoji="0" lang="en-US" altLang="en-US" sz="2800" b="1" i="1" u="none" strike="noStrike" cap="none" normalizeH="0" baseline="0" dirty="0">
+              <a:rPr kumimoji="0" lang="en-US" altLang="en-US" sz="2800" b="1" u="none" strike="noStrike" cap="none" normalizeH="0" baseline="0" dirty="0">
                 <a:ln>
                   <a:noFill/>
                 </a:ln>
@@ -16308,7 +16262,7 @@
               <a:t>[</a:t>
             </a:r>
             <a:r>
-              <a:rPr kumimoji="0" lang="en-US" altLang="en-US" sz="2800" b="0" i="1" u="none" strike="noStrike" cap="none" normalizeH="0" baseline="0" dirty="0">
+              <a:rPr kumimoji="0" lang="en-US" altLang="en-US" sz="2800" b="0" u="none" strike="noStrike" cap="none" normalizeH="0" baseline="0" dirty="0">
                 <a:ln>
                   <a:noFill/>
                 </a:ln>
@@ -16322,7 +16276,7 @@
               <a:t>"B"</a:t>
             </a:r>
             <a:r>
-              <a:rPr kumimoji="0" lang="en-US" altLang="en-US" sz="2800" b="1" i="1" u="none" strike="noStrike" cap="none" normalizeH="0" baseline="0" dirty="0">
+              <a:rPr kumimoji="0" lang="en-US" altLang="en-US" sz="2800" b="1" u="none" strike="noStrike" cap="none" normalizeH="0" baseline="0" dirty="0">
                 <a:ln>
                   <a:noFill/>
                 </a:ln>
@@ -16336,7 +16290,7 @@
               <a:t>],</a:t>
             </a:r>
             <a:r>
-              <a:rPr kumimoji="0" lang="en-US" altLang="en-US" sz="2800" b="0" i="1" u="sng" strike="noStrike" cap="none" normalizeH="0" baseline="0" dirty="0">
+              <a:rPr kumimoji="0" lang="en-US" altLang="en-US" sz="2800" b="0" u="sng" strike="noStrike" cap="none" normalizeH="0" baseline="0" dirty="0">
                 <a:ln>
                   <a:noFill/>
                 </a:ln>
@@ -16350,7 +16304,7 @@
               <a:t> </a:t>
             </a:r>
             <a:r>
-              <a:rPr kumimoji="0" lang="en-US" altLang="en-US" sz="2800" b="1" i="1" u="none" strike="noStrike" cap="none" normalizeH="0" baseline="0" dirty="0">
+              <a:rPr kumimoji="0" lang="en-US" altLang="en-US" sz="2800" b="1" u="none" strike="noStrike" cap="none" normalizeH="0" baseline="0" dirty="0">
                 <a:ln>
                   <a:noFill/>
                 </a:ln>
@@ -16364,7 +16318,7 @@
               <a:t>"rule"</a:t>
             </a:r>
             <a:r>
-              <a:rPr kumimoji="0" lang="en-US" altLang="en-US" sz="2800" b="1" i="1" u="none" strike="noStrike" cap="none" normalizeH="0" baseline="0" dirty="0">
+              <a:rPr kumimoji="0" lang="en-US" altLang="en-US" sz="2800" b="1" u="none" strike="noStrike" cap="none" normalizeH="0" baseline="0" dirty="0">
                 <a:ln>
                   <a:noFill/>
                 </a:ln>
@@ -16378,7 +16332,7 @@
               <a:t>:</a:t>
             </a:r>
             <a:r>
-              <a:rPr kumimoji="0" lang="en-US" altLang="en-US" sz="2800" b="0" i="1" u="sng" strike="noStrike" cap="none" normalizeH="0" baseline="0" dirty="0">
+              <a:rPr kumimoji="0" lang="en-US" altLang="en-US" sz="2800" b="0" u="sng" strike="noStrike" cap="none" normalizeH="0" baseline="0" dirty="0">
                 <a:ln>
                   <a:noFill/>
                 </a:ln>
@@ -16392,7 +16346,7 @@
               <a:t> </a:t>
             </a:r>
             <a:r>
-              <a:rPr kumimoji="0" lang="en-US" altLang="en-US" sz="2800" b="0" i="1" u="none" strike="noStrike" cap="none" normalizeH="0" baseline="0" dirty="0">
+              <a:rPr kumimoji="0" lang="en-US" altLang="en-US" sz="2800" b="0" u="none" strike="noStrike" cap="none" normalizeH="0" baseline="0" dirty="0">
                 <a:ln>
                   <a:noFill/>
                 </a:ln>
@@ -16406,7 +16360,7 @@
               <a:t>"build A"</a:t>
             </a:r>
             <a:r>
-              <a:rPr kumimoji="0" lang="en-US" altLang="en-US" sz="2800" b="1" i="1" u="none" strike="noStrike" cap="none" normalizeH="0" baseline="0" dirty="0">
+              <a:rPr kumimoji="0" lang="en-US" altLang="en-US" sz="2800" b="1" u="none" strike="noStrike" cap="none" normalizeH="0" baseline="0" dirty="0">
                 <a:ln>
                   <a:noFill/>
                 </a:ln>
@@ -16420,7 +16374,7 @@
               <a:t>},</a:t>
             </a:r>
             <a:r>
-              <a:rPr kumimoji="0" lang="en-US" altLang="en-US" sz="2800" b="0" i="1" u="none" strike="noStrike" cap="none" normalizeH="0" baseline="0" dirty="0">
+              <a:rPr kumimoji="0" lang="en-US" altLang="en-US" sz="2800" b="0" u="none" strike="noStrike" cap="none" normalizeH="0" baseline="0" dirty="0">
                 <a:ln>
                   <a:noFill/>
                 </a:ln>
@@ -16452,7 +16406,7 @@
               <a:tabLst/>
             </a:pPr>
             <a:r>
-              <a:rPr kumimoji="0" lang="en-US" altLang="en-US" sz="2800" b="1" i="1" u="none" strike="noStrike" cap="none" normalizeH="0" baseline="0" dirty="0">
+              <a:rPr kumimoji="0" lang="en-US" altLang="en-US" sz="2800" b="1" u="none" strike="noStrike" cap="none" normalizeH="0" baseline="0" dirty="0">
                 <a:ln>
                   <a:noFill/>
                 </a:ln>
@@ -16466,7 +16420,7 @@
               <a:t>"B"</a:t>
             </a:r>
             <a:r>
-              <a:rPr kumimoji="0" lang="en-US" altLang="en-US" sz="2800" b="1" i="1" u="none" strike="noStrike" cap="none" normalizeH="0" baseline="0" dirty="0">
+              <a:rPr kumimoji="0" lang="en-US" altLang="en-US" sz="2800" b="1" u="none" strike="noStrike" cap="none" normalizeH="0" baseline="0" dirty="0">
                 <a:ln>
                   <a:noFill/>
                 </a:ln>
@@ -16480,7 +16434,7 @@
               <a:t>:</a:t>
             </a:r>
             <a:r>
-              <a:rPr kumimoji="0" lang="en-US" altLang="en-US" sz="2800" b="0" i="1" u="sng" strike="noStrike" cap="none" normalizeH="0" baseline="0" dirty="0">
+              <a:rPr kumimoji="0" lang="en-US" altLang="en-US" sz="2800" b="0" u="sng" strike="noStrike" cap="none" normalizeH="0" baseline="0" dirty="0">
                 <a:ln>
                   <a:noFill/>
                 </a:ln>
@@ -16494,7 +16448,7 @@
               <a:t> </a:t>
             </a:r>
             <a:r>
-              <a:rPr kumimoji="0" lang="en-US" altLang="en-US" sz="2800" b="1" i="1" u="none" strike="noStrike" cap="none" normalizeH="0" baseline="0" dirty="0">
+              <a:rPr kumimoji="0" lang="en-US" altLang="en-US" sz="2800" b="1" u="none" strike="noStrike" cap="none" normalizeH="0" baseline="0" dirty="0">
                 <a:ln>
                   <a:noFill/>
                 </a:ln>
@@ -16508,7 +16462,7 @@
               <a:t>{</a:t>
             </a:r>
             <a:r>
-              <a:rPr kumimoji="0" lang="en-US" altLang="en-US" sz="2800" b="1" i="1" u="none" strike="noStrike" cap="none" normalizeH="0" baseline="0" dirty="0">
+              <a:rPr kumimoji="0" lang="en-US" altLang="en-US" sz="2800" b="1" u="none" strike="noStrike" cap="none" normalizeH="0" baseline="0" dirty="0">
                 <a:ln>
                   <a:noFill/>
                 </a:ln>
@@ -16522,7 +16476,7 @@
               <a:t>"depends"</a:t>
             </a:r>
             <a:r>
-              <a:rPr kumimoji="0" lang="en-US" altLang="en-US" sz="2800" b="1" i="1" u="none" strike="noStrike" cap="none" normalizeH="0" baseline="0" dirty="0">
+              <a:rPr kumimoji="0" lang="en-US" altLang="en-US" sz="2800" b="1" u="none" strike="noStrike" cap="none" normalizeH="0" baseline="0" dirty="0">
                 <a:ln>
                   <a:noFill/>
                 </a:ln>
@@ -16536,7 +16490,7 @@
               <a:t>:</a:t>
             </a:r>
             <a:r>
-              <a:rPr kumimoji="0" lang="en-US" altLang="en-US" sz="2800" b="0" i="1" u="sng" strike="noStrike" cap="none" normalizeH="0" baseline="0" dirty="0">
+              <a:rPr kumimoji="0" lang="en-US" altLang="en-US" sz="2800" b="0" u="sng" strike="noStrike" cap="none" normalizeH="0" baseline="0" dirty="0">
                 <a:ln>
                   <a:noFill/>
                 </a:ln>
@@ -16550,7 +16504,7 @@
               <a:t> </a:t>
             </a:r>
             <a:r>
-              <a:rPr kumimoji="0" lang="en-US" altLang="en-US" sz="2800" b="1" i="1" u="none" strike="noStrike" cap="none" normalizeH="0" baseline="0" dirty="0">
+              <a:rPr kumimoji="0" lang="en-US" altLang="en-US" sz="2800" b="1" u="none" strike="noStrike" cap="none" normalizeH="0" baseline="0" dirty="0">
                 <a:ln>
                   <a:noFill/>
                 </a:ln>
@@ -16564,7 +16518,7 @@
               <a:t>[],</a:t>
             </a:r>
             <a:r>
-              <a:rPr kumimoji="0" lang="en-US" altLang="en-US" sz="2800" b="0" i="1" u="sng" strike="noStrike" cap="none" normalizeH="0" baseline="0" dirty="0">
+              <a:rPr kumimoji="0" lang="en-US" altLang="en-US" sz="2800" b="0" u="sng" strike="noStrike" cap="none" normalizeH="0" baseline="0" dirty="0">
                 <a:ln>
                   <a:noFill/>
                 </a:ln>
@@ -16578,7 +16532,7 @@
               <a:t> </a:t>
             </a:r>
             <a:r>
-              <a:rPr kumimoji="0" lang="en-US" altLang="en-US" sz="2800" b="1" i="1" u="none" strike="noStrike" cap="none" normalizeH="0" baseline="0" dirty="0">
+              <a:rPr kumimoji="0" lang="en-US" altLang="en-US" sz="2800" b="1" u="none" strike="noStrike" cap="none" normalizeH="0" baseline="0" dirty="0">
                 <a:ln>
                   <a:noFill/>
                 </a:ln>
@@ -16592,7 +16546,7 @@
               <a:t>"rule"</a:t>
             </a:r>
             <a:r>
-              <a:rPr kumimoji="0" lang="en-US" altLang="en-US" sz="2800" b="1" i="1" u="none" strike="noStrike" cap="none" normalizeH="0" baseline="0" dirty="0">
+              <a:rPr kumimoji="0" lang="en-US" altLang="en-US" sz="2800" b="1" u="none" strike="noStrike" cap="none" normalizeH="0" baseline="0" dirty="0">
                 <a:ln>
                   <a:noFill/>
                 </a:ln>
@@ -16606,7 +16560,7 @@
               <a:t>:</a:t>
             </a:r>
             <a:r>
-              <a:rPr kumimoji="0" lang="en-US" altLang="en-US" sz="2800" b="0" i="1" u="sng" strike="noStrike" cap="none" normalizeH="0" baseline="0" dirty="0">
+              <a:rPr kumimoji="0" lang="en-US" altLang="en-US" sz="2800" b="0" u="sng" strike="noStrike" cap="none" normalizeH="0" baseline="0" dirty="0">
                 <a:ln>
                   <a:noFill/>
                 </a:ln>
@@ -16620,7 +16574,7 @@
               <a:t> </a:t>
             </a:r>
             <a:r>
-              <a:rPr kumimoji="0" lang="en-US" altLang="en-US" sz="2800" b="0" i="1" u="none" strike="noStrike" cap="none" normalizeH="0" baseline="0" dirty="0">
+              <a:rPr kumimoji="0" lang="en-US" altLang="en-US" sz="2800" b="0" u="none" strike="noStrike" cap="none" normalizeH="0" baseline="0" dirty="0">
                 <a:ln>
                   <a:noFill/>
                 </a:ln>
@@ -16634,7 +16588,7 @@
               <a:t>"build B"</a:t>
             </a:r>
             <a:r>
-              <a:rPr kumimoji="0" lang="en-US" altLang="en-US" sz="2800" b="1" i="1" u="none" strike="noStrike" cap="none" normalizeH="0" baseline="0" dirty="0">
+              <a:rPr kumimoji="0" lang="en-US" altLang="en-US" sz="2800" b="1" u="none" strike="noStrike" cap="none" normalizeH="0" baseline="0" dirty="0">
                 <a:ln>
                   <a:noFill/>
                 </a:ln>
@@ -16648,7 +16602,7 @@
               <a:t>}</a:t>
             </a:r>
             <a:r>
-              <a:rPr kumimoji="0" lang="en-US" altLang="en-US" sz="2800" b="0" i="1" u="none" strike="noStrike" cap="none" normalizeH="0" baseline="0" dirty="0">
+              <a:rPr kumimoji="0" lang="en-US" altLang="en-US" sz="2800" b="0" u="none" strike="noStrike" cap="none" normalizeH="0" baseline="0" dirty="0">
                 <a:ln>
                   <a:noFill/>
                 </a:ln>
@@ -16680,7 +16634,7 @@
               <a:tabLst/>
             </a:pPr>
             <a:r>
-              <a:rPr kumimoji="0" lang="en-US" altLang="en-US" sz="2800" b="1" i="1" u="none" strike="noStrike" cap="none" normalizeH="0" baseline="0" dirty="0">
+              <a:rPr kumimoji="0" lang="en-US" altLang="en-US" sz="2800" b="1" u="none" strike="noStrike" cap="none" normalizeH="0" baseline="0" dirty="0">
                 <a:ln>
                   <a:noFill/>
                 </a:ln>
@@ -16694,7 +16648,7 @@
               <a:t>}</a:t>
             </a:r>
             <a:r>
-              <a:rPr kumimoji="0" lang="en-US" altLang="en-US" sz="1200" b="0" i="0" u="none" strike="noStrike" cap="none" normalizeH="0" baseline="0" dirty="0">
+              <a:rPr kumimoji="0" lang="en-US" altLang="en-US" sz="1200" b="0" u="none" strike="noStrike" cap="none" normalizeH="0" baseline="0" dirty="0">
                 <a:ln>
                   <a:noFill/>
                 </a:ln>
@@ -16705,7 +16659,7 @@
               </a:rPr>
               <a:t> </a:t>
             </a:r>
-            <a:endParaRPr kumimoji="0" lang="en-US" altLang="en-US" sz="5400" b="0" i="0" u="none" strike="noStrike" cap="none" normalizeH="0" baseline="0" dirty="0">
+            <a:endParaRPr kumimoji="0" lang="en-US" altLang="en-US" sz="5400" b="0" u="none" strike="noStrike" cap="none" normalizeH="0" baseline="0" dirty="0">
               <a:ln>
                 <a:noFill/>
               </a:ln>
@@ -16830,7 +16784,7 @@
           <a:p>
             <a:r>
               <a:rPr lang="en-US" dirty="0"/>
-              <a:t>Add complexity when only needed</a:t>
+              <a:t>Add complexity only when needed</a:t>
             </a:r>
           </a:p>
         </p:txBody>
@@ -17878,7 +17832,7 @@
           <a:lstStyle/>
           <a:p>
             <a:r>
-              <a:rPr lang="en-US" b="0" dirty="0">
+              <a:rPr lang="en-US" b="1" dirty="0">
                 <a:solidFill>
                   <a:srgbClr val="000000"/>
                 </a:solidFill>
@@ -17888,7 +17842,7 @@
               <a:t>    </a:t>
             </a:r>
             <a:r>
-              <a:rPr lang="en-US" b="0" dirty="0">
+              <a:rPr lang="en-US" b="1" dirty="0">
                 <a:solidFill>
                   <a:srgbClr val="0000FF"/>
                 </a:solidFill>
@@ -17898,7 +17852,7 @@
               <a:t>def</a:t>
             </a:r>
             <a:r>
-              <a:rPr lang="en-US" b="0" dirty="0">
+              <a:rPr lang="en-US" b="1" dirty="0">
                 <a:solidFill>
                   <a:srgbClr val="000000"/>
                 </a:solidFill>
@@ -17908,7 +17862,7 @@
               <a:t> </a:t>
             </a:r>
             <a:r>
-              <a:rPr lang="en-US" b="0" dirty="0">
+              <a:rPr lang="en-US" b="1" dirty="0">
                 <a:solidFill>
                   <a:srgbClr val="795E26"/>
                 </a:solidFill>
@@ -17918,7 +17872,7 @@
               <a:t>_configure</a:t>
             </a:r>
             <a:r>
-              <a:rPr lang="en-US" b="0" dirty="0">
+              <a:rPr lang="en-US" b="1" dirty="0">
                 <a:solidFill>
                   <a:srgbClr val="000000"/>
                 </a:solidFill>
@@ -17928,7 +17882,7 @@
               <a:t>(</a:t>
             </a:r>
             <a:r>
-              <a:rPr lang="en-US" b="0" dirty="0">
+              <a:rPr lang="en-US" b="1" dirty="0">
                 <a:solidFill>
                   <a:srgbClr val="001080"/>
                 </a:solidFill>
@@ -17938,7 +17892,7 @@
               <a:t>self</a:t>
             </a:r>
             <a:r>
-              <a:rPr lang="en-US" b="0" dirty="0">
+              <a:rPr lang="en-US" b="1" dirty="0">
                 <a:solidFill>
                   <a:srgbClr val="000000"/>
                 </a:solidFill>
@@ -17948,7 +17902,7 @@
               <a:t>, </a:t>
             </a:r>
             <a:r>
-              <a:rPr lang="en-US" b="0" dirty="0" err="1">
+              <a:rPr lang="en-US" b="1" dirty="0" err="1">
                 <a:solidFill>
                   <a:srgbClr val="001080"/>
                 </a:solidFill>
@@ -17958,7 +17912,7 @@
               <a:t>config_file</a:t>
             </a:r>
             <a:r>
-              <a:rPr lang="en-US" b="0" dirty="0">
+              <a:rPr lang="en-US" b="1" dirty="0">
                 <a:solidFill>
                   <a:srgbClr val="000000"/>
                 </a:solidFill>
@@ -17970,7 +17924,7 @@
           </a:p>
           <a:p>
             <a:r>
-              <a:rPr lang="en-US" b="0" dirty="0">
+              <a:rPr lang="en-US" b="1" dirty="0">
                 <a:solidFill>
                   <a:srgbClr val="000000"/>
                 </a:solidFill>
@@ -17980,7 +17934,7 @@
               <a:t>        </a:t>
             </a:r>
             <a:r>
-              <a:rPr lang="en-US" b="0" dirty="0">
+              <a:rPr lang="en-US" b="1" dirty="0">
                 <a:solidFill>
                   <a:srgbClr val="AF00DB"/>
                 </a:solidFill>
@@ -17990,7 +17944,7 @@
               <a:t>with</a:t>
             </a:r>
             <a:r>
-              <a:rPr lang="en-US" b="0" dirty="0">
+              <a:rPr lang="en-US" b="1" dirty="0">
                 <a:solidFill>
                   <a:srgbClr val="000000"/>
                 </a:solidFill>
@@ -18000,7 +17954,7 @@
               <a:t> </a:t>
             </a:r>
             <a:r>
-              <a:rPr lang="en-US" b="0" dirty="0">
+              <a:rPr lang="en-US" b="1" dirty="0">
                 <a:solidFill>
                   <a:srgbClr val="795E26"/>
                 </a:solidFill>
@@ -18010,7 +17964,7 @@
               <a:t>open</a:t>
             </a:r>
             <a:r>
-              <a:rPr lang="en-US" b="0" dirty="0">
+              <a:rPr lang="en-US" b="1" dirty="0">
                 <a:solidFill>
                   <a:srgbClr val="000000"/>
                 </a:solidFill>
@@ -18020,7 +17974,7 @@
               <a:t>(</a:t>
             </a:r>
             <a:r>
-              <a:rPr lang="en-US" b="0" dirty="0" err="1">
+              <a:rPr lang="en-US" b="1" dirty="0" err="1">
                 <a:solidFill>
                   <a:srgbClr val="001080"/>
                 </a:solidFill>
@@ -18030,7 +17984,7 @@
               <a:t>config_file</a:t>
             </a:r>
             <a:r>
-              <a:rPr lang="en-US" b="0" dirty="0">
+              <a:rPr lang="en-US" b="1" dirty="0">
                 <a:solidFill>
                   <a:srgbClr val="000000"/>
                 </a:solidFill>
@@ -18040,7 +17994,7 @@
               <a:t>, </a:t>
             </a:r>
             <a:r>
-              <a:rPr lang="en-US" b="0" dirty="0">
+              <a:rPr lang="en-US" b="1" dirty="0">
                 <a:solidFill>
                   <a:srgbClr val="A31515"/>
                 </a:solidFill>
@@ -18050,7 +18004,7 @@
               <a:t>"r"</a:t>
             </a:r>
             <a:r>
-              <a:rPr lang="en-US" b="0" dirty="0">
+              <a:rPr lang="en-US" b="1" dirty="0">
                 <a:solidFill>
                   <a:srgbClr val="000000"/>
                 </a:solidFill>
@@ -18060,7 +18014,7 @@
               <a:t>) </a:t>
             </a:r>
             <a:r>
-              <a:rPr lang="en-US" b="0" dirty="0">
+              <a:rPr lang="en-US" b="1" dirty="0">
                 <a:solidFill>
                   <a:srgbClr val="AF00DB"/>
                 </a:solidFill>
@@ -18070,7 +18024,7 @@
               <a:t>as</a:t>
             </a:r>
             <a:r>
-              <a:rPr lang="en-US" b="0" dirty="0">
+              <a:rPr lang="en-US" b="1" dirty="0">
                 <a:solidFill>
                   <a:srgbClr val="000000"/>
                 </a:solidFill>
@@ -18080,7 +18034,7 @@
               <a:t> </a:t>
             </a:r>
             <a:r>
-              <a:rPr lang="en-US" b="0" dirty="0">
+              <a:rPr lang="en-US" b="1" dirty="0">
                 <a:solidFill>
                   <a:srgbClr val="001080"/>
                 </a:solidFill>
@@ -18090,7 +18044,7 @@
               <a:t>reader</a:t>
             </a:r>
             <a:r>
-              <a:rPr lang="en-US" b="0" dirty="0">
+              <a:rPr lang="en-US" b="1" dirty="0">
                 <a:solidFill>
                   <a:srgbClr val="000000"/>
                 </a:solidFill>
@@ -18102,7 +18056,7 @@
           </a:p>
           <a:p>
             <a:r>
-              <a:rPr lang="en-US" b="0" dirty="0">
+              <a:rPr lang="en-US" b="1" dirty="0">
                 <a:solidFill>
                   <a:srgbClr val="000000"/>
                 </a:solidFill>
@@ -18112,7 +18066,7 @@
               <a:t>            </a:t>
             </a:r>
             <a:r>
-              <a:rPr lang="en-US" b="0" dirty="0">
+              <a:rPr lang="en-US" b="1" dirty="0">
                 <a:solidFill>
                   <a:srgbClr val="001080"/>
                 </a:solidFill>
@@ -18122,7 +18076,7 @@
               <a:t>config</a:t>
             </a:r>
             <a:r>
-              <a:rPr lang="en-US" b="0" dirty="0">
+              <a:rPr lang="en-US" b="1" dirty="0">
                 <a:solidFill>
                   <a:srgbClr val="000000"/>
                 </a:solidFill>
@@ -18132,7 +18086,7 @@
               <a:t> = </a:t>
             </a:r>
             <a:r>
-              <a:rPr lang="en-US" b="0" dirty="0" err="1">
+              <a:rPr lang="en-US" b="1" dirty="0" err="1">
                 <a:solidFill>
                   <a:srgbClr val="267F99"/>
                 </a:solidFill>
@@ -18142,7 +18096,7 @@
               <a:t>json</a:t>
             </a:r>
             <a:r>
-              <a:rPr lang="en-US" b="0" dirty="0" err="1">
+              <a:rPr lang="en-US" b="1" dirty="0" err="1">
                 <a:solidFill>
                   <a:srgbClr val="000000"/>
                 </a:solidFill>
@@ -18152,7 +18106,7 @@
               <a:t>.</a:t>
             </a:r>
             <a:r>
-              <a:rPr lang="en-US" b="0" dirty="0" err="1">
+              <a:rPr lang="en-US" b="1" dirty="0" err="1">
                 <a:solidFill>
                   <a:srgbClr val="795E26"/>
                 </a:solidFill>
@@ -18162,7 +18116,7 @@
               <a:t>load</a:t>
             </a:r>
             <a:r>
-              <a:rPr lang="en-US" b="0" dirty="0">
+              <a:rPr lang="en-US" b="1" dirty="0">
                 <a:solidFill>
                   <a:srgbClr val="000000"/>
                 </a:solidFill>
@@ -18172,7 +18126,7 @@
               <a:t>(</a:t>
             </a:r>
             <a:r>
-              <a:rPr lang="en-US" b="0" dirty="0">
+              <a:rPr lang="en-US" b="1" dirty="0">
                 <a:solidFill>
                   <a:srgbClr val="001080"/>
                 </a:solidFill>
@@ -18182,7 +18136,7 @@
               <a:t>reader</a:t>
             </a:r>
             <a:r>
-              <a:rPr lang="en-US" b="0" dirty="0">
+              <a:rPr lang="en-US" b="1" dirty="0">
                 <a:solidFill>
                   <a:srgbClr val="000000"/>
                 </a:solidFill>
@@ -18194,7 +18148,7 @@
           </a:p>
           <a:p>
             <a:r>
-              <a:rPr lang="en-US" b="0" dirty="0">
+              <a:rPr lang="en-US" b="1" dirty="0">
                 <a:solidFill>
                   <a:srgbClr val="000000"/>
                 </a:solidFill>
@@ -18204,7 +18158,7 @@
               <a:t>            </a:t>
             </a:r>
             <a:r>
-              <a:rPr lang="en-US" b="0" dirty="0">
+              <a:rPr lang="en-US" b="1" dirty="0">
                 <a:solidFill>
                   <a:srgbClr val="001080"/>
                 </a:solidFill>
@@ -18214,7 +18168,7 @@
               <a:t>known</a:t>
             </a:r>
             <a:r>
-              <a:rPr lang="en-US" b="0" dirty="0">
+              <a:rPr lang="en-US" b="1" dirty="0">
                 <a:solidFill>
                   <a:srgbClr val="000000"/>
                 </a:solidFill>
@@ -18224,7 +18178,7 @@
               <a:t> = </a:t>
             </a:r>
             <a:r>
-              <a:rPr lang="en-US" b="0" dirty="0">
+              <a:rPr lang="en-US" b="1" dirty="0">
                 <a:solidFill>
                   <a:srgbClr val="267F99"/>
                 </a:solidFill>
@@ -18234,7 +18188,7 @@
               <a:t>set</a:t>
             </a:r>
             <a:r>
-              <a:rPr lang="en-US" b="0" dirty="0">
+              <a:rPr lang="en-US" b="1" dirty="0">
                 <a:solidFill>
                   <a:srgbClr val="000000"/>
                 </a:solidFill>
@@ -18244,7 +18198,7 @@
               <a:t>(</a:t>
             </a:r>
             <a:r>
-              <a:rPr lang="en-US" b="0" dirty="0" err="1">
+              <a:rPr lang="en-US" b="1" dirty="0" err="1">
                 <a:solidFill>
                   <a:srgbClr val="001080"/>
                 </a:solidFill>
@@ -18254,7 +18208,7 @@
               <a:t>config</a:t>
             </a:r>
             <a:r>
-              <a:rPr lang="en-US" b="0" dirty="0" err="1">
+              <a:rPr lang="en-US" b="1" dirty="0" err="1">
                 <a:solidFill>
                   <a:srgbClr val="000000"/>
                 </a:solidFill>
@@ -18264,7 +18218,7 @@
               <a:t>.keys</a:t>
             </a:r>
             <a:r>
-              <a:rPr lang="en-US" b="0" dirty="0">
+              <a:rPr lang="en-US" b="1" dirty="0">
                 <a:solidFill>
                   <a:srgbClr val="000000"/>
                 </a:solidFill>
@@ -18276,7 +18230,7 @@
           </a:p>
           <a:p>
             <a:r>
-              <a:rPr lang="en-US" b="0" dirty="0">
+              <a:rPr lang="en-US" b="1" dirty="0">
                 <a:solidFill>
                   <a:srgbClr val="000000"/>
                 </a:solidFill>
@@ -18286,7 +18240,7 @@
               <a:t>            </a:t>
             </a:r>
             <a:r>
-              <a:rPr lang="en-US" b="0" dirty="0">
+              <a:rPr lang="en-US" b="1" dirty="0">
                 <a:solidFill>
                   <a:srgbClr val="AF00DB"/>
                 </a:solidFill>
@@ -18296,7 +18250,7 @@
               <a:t>return</a:t>
             </a:r>
             <a:r>
-              <a:rPr lang="en-US" b="0" dirty="0">
+              <a:rPr lang="en-US" b="1" dirty="0">
                 <a:solidFill>
                   <a:srgbClr val="000000"/>
                 </a:solidFill>
@@ -18308,7 +18262,7 @@
           </a:p>
           <a:p>
             <a:r>
-              <a:rPr lang="en-US" b="0" dirty="0">
+              <a:rPr lang="en-US" b="1" dirty="0">
                 <a:solidFill>
                   <a:srgbClr val="000000"/>
                 </a:solidFill>
@@ -18318,7 +18272,7 @@
               <a:t>                </a:t>
             </a:r>
             <a:r>
-              <a:rPr lang="en-US" b="0" dirty="0">
+              <a:rPr lang="en-US" b="1" dirty="0">
                 <a:solidFill>
                   <a:srgbClr val="001080"/>
                 </a:solidFill>
@@ -18328,7 +18282,7 @@
               <a:t>n</a:t>
             </a:r>
             <a:r>
-              <a:rPr lang="en-US" b="0" dirty="0">
+              <a:rPr lang="en-US" b="1" dirty="0">
                 <a:solidFill>
                   <a:srgbClr val="000000"/>
                 </a:solidFill>
@@ -18338,7 +18292,7 @@
               <a:t>: </a:t>
             </a:r>
             <a:r>
-              <a:rPr lang="en-US" b="0" dirty="0" err="1">
+              <a:rPr lang="en-US" b="1" dirty="0" err="1">
                 <a:solidFill>
                   <a:srgbClr val="001080"/>
                 </a:solidFill>
@@ -18348,7 +18302,7 @@
               <a:t>self</a:t>
             </a:r>
             <a:r>
-              <a:rPr lang="en-US" b="0" dirty="0" err="1">
+              <a:rPr lang="en-US" b="1" dirty="0" err="1">
                 <a:solidFill>
                   <a:srgbClr val="000000"/>
                 </a:solidFill>
@@ -18358,7 +18312,7 @@
               <a:t>.</a:t>
             </a:r>
             <a:r>
-              <a:rPr lang="en-US" b="0" dirty="0" err="1">
+              <a:rPr lang="en-US" b="1" dirty="0" err="1">
                 <a:solidFill>
                   <a:srgbClr val="795E26"/>
                 </a:solidFill>
@@ -18368,7 +18322,7 @@
               <a:t>_check</a:t>
             </a:r>
             <a:r>
-              <a:rPr lang="en-US" b="0" dirty="0">
+              <a:rPr lang="en-US" b="1" dirty="0">
                 <a:solidFill>
                   <a:srgbClr val="000000"/>
                 </a:solidFill>
@@ -18378,7 +18332,7 @@
               <a:t>(</a:t>
             </a:r>
             <a:r>
-              <a:rPr lang="en-US" b="0" dirty="0">
+              <a:rPr lang="en-US" b="1" dirty="0">
                 <a:solidFill>
                   <a:srgbClr val="001080"/>
                 </a:solidFill>
@@ -18388,7 +18342,7 @@
               <a:t>n</a:t>
             </a:r>
             <a:r>
-              <a:rPr lang="en-US" b="0" dirty="0">
+              <a:rPr lang="en-US" b="1" dirty="0">
                 <a:solidFill>
                   <a:srgbClr val="000000"/>
                 </a:solidFill>
@@ -18398,7 +18352,7 @@
               <a:t>, </a:t>
             </a:r>
             <a:r>
-              <a:rPr lang="en-US" b="0" dirty="0">
+              <a:rPr lang="en-US" b="1" dirty="0">
                 <a:solidFill>
                   <a:srgbClr val="001080"/>
                 </a:solidFill>
@@ -18408,7 +18362,7 @@
               <a:t>d</a:t>
             </a:r>
             <a:r>
-              <a:rPr lang="en-US" b="0" dirty="0">
+              <a:rPr lang="en-US" b="1" dirty="0">
                 <a:solidFill>
                   <a:srgbClr val="000000"/>
                 </a:solidFill>
@@ -18418,7 +18372,7 @@
               <a:t>, </a:t>
             </a:r>
             <a:r>
-              <a:rPr lang="en-US" b="0" dirty="0">
+              <a:rPr lang="en-US" b="1" dirty="0">
                 <a:solidFill>
                   <a:srgbClr val="001080"/>
                 </a:solidFill>
@@ -18428,7 +18382,7 @@
               <a:t>known</a:t>
             </a:r>
             <a:r>
-              <a:rPr lang="en-US" b="0" dirty="0">
+              <a:rPr lang="en-US" b="1" dirty="0">
                 <a:solidFill>
                   <a:srgbClr val="000000"/>
                 </a:solidFill>
@@ -18440,7 +18394,7 @@
           </a:p>
           <a:p>
             <a:r>
-              <a:rPr lang="en-US" b="0" dirty="0">
+              <a:rPr lang="en-US" b="1" dirty="0">
                 <a:solidFill>
                   <a:srgbClr val="000000"/>
                 </a:solidFill>
@@ -18450,7 +18404,7 @@
               <a:t>                </a:t>
             </a:r>
             <a:r>
-              <a:rPr lang="en-US" b="0" dirty="0">
+              <a:rPr lang="en-US" b="1" dirty="0">
                 <a:solidFill>
                   <a:srgbClr val="AF00DB"/>
                 </a:solidFill>
@@ -18460,7 +18414,7 @@
               <a:t>for</a:t>
             </a:r>
             <a:r>
-              <a:rPr lang="en-US" b="0" dirty="0">
+              <a:rPr lang="en-US" b="1" dirty="0">
                 <a:solidFill>
                   <a:srgbClr val="000000"/>
                 </a:solidFill>
@@ -18470,7 +18424,7 @@
               <a:t> </a:t>
             </a:r>
             <a:r>
-              <a:rPr lang="en-US" b="0" dirty="0">
+              <a:rPr lang="en-US" b="1" dirty="0">
                 <a:solidFill>
                   <a:srgbClr val="001080"/>
                 </a:solidFill>
@@ -18480,7 +18434,7 @@
               <a:t>n</a:t>
             </a:r>
             <a:r>
-              <a:rPr lang="en-US" b="0" dirty="0">
+              <a:rPr lang="en-US" b="1" dirty="0">
                 <a:solidFill>
                   <a:srgbClr val="000000"/>
                 </a:solidFill>
@@ -18490,7 +18444,7 @@
               <a:t>, </a:t>
             </a:r>
             <a:r>
-              <a:rPr lang="en-US" b="0" dirty="0">
+              <a:rPr lang="en-US" b="1" dirty="0">
                 <a:solidFill>
                   <a:srgbClr val="001080"/>
                 </a:solidFill>
@@ -18500,7 +18454,7 @@
               <a:t>d</a:t>
             </a:r>
             <a:r>
-              <a:rPr lang="en-US" b="0" dirty="0">
+              <a:rPr lang="en-US" b="1" dirty="0">
                 <a:solidFill>
                   <a:srgbClr val="000000"/>
                 </a:solidFill>
@@ -18510,7 +18464,7 @@
               <a:t> </a:t>
             </a:r>
             <a:r>
-              <a:rPr lang="en-US" b="0" dirty="0">
+              <a:rPr lang="en-US" b="1" dirty="0">
                 <a:solidFill>
                   <a:srgbClr val="AF00DB"/>
                 </a:solidFill>
@@ -18520,7 +18474,7 @@
               <a:t>in</a:t>
             </a:r>
             <a:r>
-              <a:rPr lang="en-US" b="0" dirty="0">
+              <a:rPr lang="en-US" b="1" dirty="0">
                 <a:solidFill>
                   <a:srgbClr val="000000"/>
                 </a:solidFill>
@@ -18530,7 +18484,7 @@
               <a:t> </a:t>
             </a:r>
             <a:r>
-              <a:rPr lang="en-US" b="0" dirty="0" err="1">
+              <a:rPr lang="en-US" b="1" dirty="0" err="1">
                 <a:solidFill>
                   <a:srgbClr val="001080"/>
                 </a:solidFill>
@@ -18540,7 +18494,7 @@
               <a:t>config</a:t>
             </a:r>
             <a:r>
-              <a:rPr lang="en-US" b="0" dirty="0" err="1">
+              <a:rPr lang="en-US" b="1" dirty="0" err="1">
                 <a:solidFill>
                   <a:srgbClr val="000000"/>
                 </a:solidFill>
@@ -18550,7 +18504,7 @@
               <a:t>.items</a:t>
             </a:r>
             <a:r>
-              <a:rPr lang="en-US" b="0" dirty="0">
+              <a:rPr lang="en-US" b="1" dirty="0">
                 <a:solidFill>
                   <a:srgbClr val="000000"/>
                 </a:solidFill>
@@ -18562,7 +18516,7 @@
           </a:p>
           <a:p>
             <a:r>
-              <a:rPr lang="en-US" b="0" dirty="0">
+              <a:rPr lang="en-US" b="1" dirty="0">
                 <a:solidFill>
                   <a:srgbClr val="000000"/>
                 </a:solidFill>
@@ -19714,7 +19668,7 @@
           <a:p>
             <a:r>
               <a:rPr lang="en-US" dirty="0"/>
-              <a:t>If at any point the graph isn’t empty but nothing is available, we have found a circular dependency, so we report the problem and fail.</a:t>
+              <a:t>If at any point the graph isn’t empty, but nothing is available, we have found a circular dependency, so we report the problem and fail.</a:t>
             </a:r>
           </a:p>
           <a:p>
@@ -21823,7 +21777,7 @@
           <a:p>
             <a:r>
               <a:rPr lang="en-US" dirty="0"/>
-              <a:t>The configuration might not come directly from a JSON file—for example, it might be embedded in a larger file or generated by another program—so we should modify the constructor to take a configuration as input. - Volatility</a:t>
+              <a:t>The configuration might not come directly from a JSON file - for example, it might be embedded in a larger file or generated by another program - so we should modify the constructor to take a configuration as input. - Volatility</a:t>
             </a:r>
           </a:p>
           <a:p>
@@ -25140,7 +25094,26 @@
           <a:bodyPr/>
           <a:lstStyle/>
           <a:p>
-            <a:endParaRPr lang="en-US" dirty="0"/>
+            <a:r>
+              <a:rPr lang="en-US" dirty="0"/>
+              <a:t>Build tools – what, why, and how</a:t>
+            </a:r>
+          </a:p>
+          <a:p>
+            <a:r>
+              <a:rPr lang="en-US" dirty="0" err="1"/>
+              <a:t>Makefiles</a:t>
+            </a:r>
+            <a:r>
+              <a:rPr lang="en-US" dirty="0"/>
+              <a:t> – problem, motivation, solution</a:t>
+            </a:r>
+          </a:p>
+          <a:p>
+            <a:r>
+              <a:rPr lang="en-US" dirty="0"/>
+              <a:t>Case study – designing a build tool from scratch</a:t>
+            </a:r>
           </a:p>
         </p:txBody>
       </p:sp>
@@ -29758,9 +29731,8 @@
               <a:rPr lang="en-US" b="1" i="0" dirty="0">
                 <a:effectLst/>
                 <a:latin typeface="Helvetica" panose="020B0604020202020204" pitchFamily="34" charset="0"/>
-                <a:hlinkClick r:id="rId2" tooltip="A design pattern in which a parent class defines an overall sequence of operations by calling abstract methods that child classes must then implement. Each child class then behaves in the same general way, but implements the steps differently."/>
-              </a:rPr>
-              <a:t>Template Method</a:t>
+              </a:rPr>
+              <a:t>Template Method </a:t>
             </a:r>
             <a:r>
               <a:rPr lang="en-US" b="0" i="0" dirty="0">
@@ -29770,7 +29742,7 @@
                 <a:effectLst/>
                 <a:latin typeface="Helvetica" panose="020B0604020202020204" pitchFamily="34" charset="0"/>
               </a:rPr>
-              <a:t> pattern: </a:t>
+              <a:t>pattern: </a:t>
             </a:r>
           </a:p>
           <a:p>
@@ -29795,25 +29767,7 @@
                 <a:effectLst/>
                 <a:latin typeface="Helvetica" panose="020B0604020202020204" pitchFamily="34" charset="0"/>
               </a:rPr>
-              <a:t>We didn’t know in advance exactly how to divide our code into methods; instead, as we were creating a class that loaded and used timestamps, we reorganized the parent class to create the </a:t>
-            </a:r>
-            <a:r>
-              <a:rPr lang="en-US" b="1" i="0" dirty="0">
-                <a:effectLst/>
-                <a:latin typeface="Helvetica" panose="020B0604020202020204" pitchFamily="34" charset="0"/>
-                <a:hlinkClick r:id="rId3" tooltip="An action that a thing can do: for example, a door can be opened or a document can be printed. Good user interfaces make affordances easy to discover."/>
-              </a:rPr>
-              <a:t>affordances</a:t>
-            </a:r>
-            <a:r>
-              <a:rPr lang="en-US" b="0" i="0" dirty="0">
-                <a:solidFill>
-                  <a:srgbClr val="000000"/>
-                </a:solidFill>
-                <a:effectLst/>
-                <a:latin typeface="Helvetica" panose="020B0604020202020204" pitchFamily="34" charset="0"/>
-              </a:rPr>
-              <a:t> we needed at the points of volatility. </a:t>
+              <a:t>We didn’t know in advance exactly how to divide our code into methods; instead, as we were creating a class that loaded and used timestamps, we reorganized the parent class to create the affordances we needed at the points of volatility. </a:t>
             </a:r>
           </a:p>
           <a:p>
@@ -30421,7 +30375,7 @@
           <a:p>
             <a:r>
               <a:rPr lang="en-US" dirty="0"/>
-              <a:t>Some examples and diagrams used from book.</a:t>
+              <a:t>Some examples and diagrams used from the book.</a:t>
             </a:r>
           </a:p>
           <a:p>
@@ -31457,7 +31411,7 @@
             </a:r>
             <a:r>
               <a:rPr lang="en-US" sz="2000" dirty="0"/>
-              <a:t> are a list of with </a:t>
+              <a:t> are lists of </a:t>
             </a:r>
             <a:r>
               <a:rPr lang="en-US" sz="2000" b="1" dirty="0"/>
